--- a/企画担当部門/憑依型シューティングゲーム.pptx
+++ b/企画担当部門/憑依型シューティングゲーム.pptx
@@ -119,6 +119,11 @@
       </a:defRPr>
     </a:lvl9pPr>
   </p:defaultTextStyle>
+  <p:extLst>
+    <p:ext uri="{EFAFB233-063F-42B5-8137-9DF3F51BA10A}">
+      <p15:sldGuideLst xmlns:p15="http://schemas.microsoft.com/office/powerpoint/2012/main"/>
+    </p:ext>
+  </p:extLst>
 </p:presentation>
 </file>
 
@@ -351,7 +356,7 @@
           <a:p>
             <a:fld id="{5556135E-8E1D-4038-A70C-1F4B0361DB9F}" type="datetimeFigureOut">
               <a:rPr kumimoji="1" lang="ja-JP" altLang="en-US" smtClean="0"/>
-              <a:t>2019/4/21</a:t>
+              <a:t>2019/4/22</a:t>
             </a:fld>
             <a:endParaRPr kumimoji="1" lang="ja-JP" altLang="en-US"/>
           </a:p>
@@ -685,7 +690,7 @@
           <a:p>
             <a:fld id="{5556135E-8E1D-4038-A70C-1F4B0361DB9F}" type="datetimeFigureOut">
               <a:rPr kumimoji="1" lang="ja-JP" altLang="en-US" smtClean="0"/>
-              <a:t>2019/4/21</a:t>
+              <a:t>2019/4/22</a:t>
             </a:fld>
             <a:endParaRPr kumimoji="1" lang="ja-JP" altLang="en-US"/>
           </a:p>
@@ -963,7 +968,7 @@
           <a:p>
             <a:fld id="{5556135E-8E1D-4038-A70C-1F4B0361DB9F}" type="datetimeFigureOut">
               <a:rPr kumimoji="1" lang="ja-JP" altLang="en-US" smtClean="0"/>
-              <a:t>2019/4/21</a:t>
+              <a:t>2019/4/22</a:t>
             </a:fld>
             <a:endParaRPr kumimoji="1" lang="ja-JP" altLang="en-US"/>
           </a:p>
@@ -1531,7 +1536,7 @@
           <a:p>
             <a:fld id="{5556135E-8E1D-4038-A70C-1F4B0361DB9F}" type="datetimeFigureOut">
               <a:rPr kumimoji="1" lang="ja-JP" altLang="en-US" smtClean="0"/>
-              <a:t>2019/4/21</a:t>
+              <a:t>2019/4/22</a:t>
             </a:fld>
             <a:endParaRPr kumimoji="1" lang="ja-JP" altLang="en-US"/>
           </a:p>
@@ -1809,7 +1814,7 @@
           <a:p>
             <a:fld id="{5556135E-8E1D-4038-A70C-1F4B0361DB9F}" type="datetimeFigureOut">
               <a:rPr kumimoji="1" lang="ja-JP" altLang="en-US" smtClean="0"/>
-              <a:t>2019/4/21</a:t>
+              <a:t>2019/4/22</a:t>
             </a:fld>
             <a:endParaRPr kumimoji="1" lang="ja-JP" altLang="en-US"/>
           </a:p>
@@ -2371,7 +2376,7 @@
           <a:p>
             <a:fld id="{5556135E-8E1D-4038-A70C-1F4B0361DB9F}" type="datetimeFigureOut">
               <a:rPr kumimoji="1" lang="ja-JP" altLang="en-US" smtClean="0"/>
-              <a:t>2019/4/21</a:t>
+              <a:t>2019/4/22</a:t>
             </a:fld>
             <a:endParaRPr kumimoji="1" lang="ja-JP" altLang="en-US"/>
           </a:p>
@@ -2698,7 +2703,7 @@
           <a:p>
             <a:fld id="{5556135E-8E1D-4038-A70C-1F4B0361DB9F}" type="datetimeFigureOut">
               <a:rPr kumimoji="1" lang="ja-JP" altLang="en-US" smtClean="0"/>
-              <a:t>2019/4/21</a:t>
+              <a:t>2019/4/22</a:t>
             </a:fld>
             <a:endParaRPr kumimoji="1" lang="ja-JP" altLang="en-US"/>
           </a:p>
@@ -2907,7 +2912,7 @@
           <a:p>
             <a:fld id="{5556135E-8E1D-4038-A70C-1F4B0361DB9F}" type="datetimeFigureOut">
               <a:rPr kumimoji="1" lang="ja-JP" altLang="en-US" smtClean="0"/>
-              <a:t>2019/4/21</a:t>
+              <a:t>2019/4/22</a:t>
             </a:fld>
             <a:endParaRPr kumimoji="1" lang="ja-JP" altLang="en-US"/>
           </a:p>
@@ -3177,7 +3182,7 @@
           <a:p>
             <a:fld id="{5556135E-8E1D-4038-A70C-1F4B0361DB9F}" type="datetimeFigureOut">
               <a:rPr kumimoji="1" lang="ja-JP" altLang="en-US" smtClean="0"/>
-              <a:t>2019/4/21</a:t>
+              <a:t>2019/4/22</a:t>
             </a:fld>
             <a:endParaRPr kumimoji="1" lang="ja-JP" altLang="en-US"/>
           </a:p>
@@ -3409,7 +3414,7 @@
           <a:p>
             <a:fld id="{5556135E-8E1D-4038-A70C-1F4B0361DB9F}" type="datetimeFigureOut">
               <a:rPr kumimoji="1" lang="ja-JP" altLang="en-US" smtClean="0"/>
-              <a:t>2019/4/21</a:t>
+              <a:t>2019/4/22</a:t>
             </a:fld>
             <a:endParaRPr kumimoji="1" lang="ja-JP" altLang="en-US"/>
           </a:p>
@@ -3685,7 +3690,7 @@
           <a:p>
             <a:fld id="{5556135E-8E1D-4038-A70C-1F4B0361DB9F}" type="datetimeFigureOut">
               <a:rPr kumimoji="1" lang="ja-JP" altLang="en-US" smtClean="0"/>
-              <a:t>2019/4/21</a:t>
+              <a:t>2019/4/22</a:t>
             </a:fld>
             <a:endParaRPr kumimoji="1" lang="ja-JP" altLang="en-US"/>
           </a:p>
@@ -4015,7 +4020,7 @@
           <a:p>
             <a:fld id="{5556135E-8E1D-4038-A70C-1F4B0361DB9F}" type="datetimeFigureOut">
               <a:rPr kumimoji="1" lang="ja-JP" altLang="en-US" smtClean="0"/>
-              <a:t>2019/4/21</a:t>
+              <a:t>2019/4/22</a:t>
             </a:fld>
             <a:endParaRPr kumimoji="1" lang="ja-JP" altLang="en-US"/>
           </a:p>
@@ -4453,7 +4458,7 @@
           <a:p>
             <a:fld id="{5556135E-8E1D-4038-A70C-1F4B0361DB9F}" type="datetimeFigureOut">
               <a:rPr kumimoji="1" lang="ja-JP" altLang="en-US" smtClean="0"/>
-              <a:t>2019/4/21</a:t>
+              <a:t>2019/4/22</a:t>
             </a:fld>
             <a:endParaRPr kumimoji="1" lang="ja-JP" altLang="en-US"/>
           </a:p>
@@ -4601,7 +4606,7 @@
           <a:p>
             <a:fld id="{5556135E-8E1D-4038-A70C-1F4B0361DB9F}" type="datetimeFigureOut">
               <a:rPr kumimoji="1" lang="ja-JP" altLang="en-US" smtClean="0"/>
-              <a:t>2019/4/21</a:t>
+              <a:t>2019/4/22</a:t>
             </a:fld>
             <a:endParaRPr kumimoji="1" lang="ja-JP" altLang="en-US"/>
           </a:p>
@@ -4726,7 +4731,7 @@
           <a:p>
             <a:fld id="{5556135E-8E1D-4038-A70C-1F4B0361DB9F}" type="datetimeFigureOut">
               <a:rPr kumimoji="1" lang="ja-JP" altLang="en-US" smtClean="0"/>
-              <a:t>2019/4/21</a:t>
+              <a:t>2019/4/22</a:t>
             </a:fld>
             <a:endParaRPr kumimoji="1" lang="ja-JP" altLang="en-US"/>
           </a:p>
@@ -5043,7 +5048,7 @@
           <a:p>
             <a:fld id="{5556135E-8E1D-4038-A70C-1F4B0361DB9F}" type="datetimeFigureOut">
               <a:rPr kumimoji="1" lang="ja-JP" altLang="en-US" smtClean="0"/>
-              <a:t>2019/4/21</a:t>
+              <a:t>2019/4/22</a:t>
             </a:fld>
             <a:endParaRPr kumimoji="1" lang="ja-JP" altLang="en-US"/>
           </a:p>
@@ -5367,7 +5372,7 @@
           <a:p>
             <a:fld id="{5556135E-8E1D-4038-A70C-1F4B0361DB9F}" type="datetimeFigureOut">
               <a:rPr kumimoji="1" lang="ja-JP" altLang="en-US" smtClean="0"/>
-              <a:t>2019/4/21</a:t>
+              <a:t>2019/4/22</a:t>
             </a:fld>
             <a:endParaRPr kumimoji="1" lang="ja-JP" altLang="en-US"/>
           </a:p>
@@ -5613,7 +5618,7 @@
           <a:p>
             <a:fld id="{5556135E-8E1D-4038-A70C-1F4B0361DB9F}" type="datetimeFigureOut">
               <a:rPr kumimoji="1" lang="ja-JP" altLang="en-US" smtClean="0"/>
-              <a:t>2019/4/21</a:t>
+              <a:t>2019/4/22</a:t>
             </a:fld>
             <a:endParaRPr kumimoji="1" lang="ja-JP" altLang="en-US"/>
           </a:p>
@@ -7441,7 +7446,23 @@
             <a:pPr lvl="1"/>
             <a:r>
               <a:rPr lang="ja-JP" altLang="en-US" dirty="0"/>
-              <a:t>操る・・・霊魂になって取り付く、糸状のもので操る、ロボット等の機械ならハッキング等で自分の制御下に置くなどが考えられる。</a:t>
+              <a:t>操る・・・霊魂に</a:t>
+            </a:r>
+            <a:r>
+              <a:rPr lang="ja-JP" altLang="en-US" dirty="0" smtClean="0"/>
+              <a:t>なって</a:t>
+            </a:r>
+            <a:r>
+              <a:rPr lang="ja-JP" altLang="en-US" dirty="0" smtClean="0"/>
+              <a:t>取り憑く</a:t>
+            </a:r>
+            <a:r>
+              <a:rPr lang="ja-JP" altLang="en-US" dirty="0" smtClean="0"/>
+              <a:t>、</a:t>
+            </a:r>
+            <a:r>
+              <a:rPr lang="ja-JP" altLang="en-US" dirty="0"/>
+              <a:t>糸状のもので操る、ロボット等の機械ならハッキング等で自分の制御下に置くなどが考えられる。</a:t>
             </a:r>
             <a:endParaRPr lang="en-US" altLang="ja-JP" dirty="0"/>
           </a:p>
@@ -7811,7 +7832,15 @@
           <a:p>
             <a:r>
               <a:rPr kumimoji="1" lang="ja-JP" altLang="en-US" dirty="0"/>
-              <a:t>通常のフィールドに出現する敵キャラクターは弱体化弾を当てると一発で弱体化状態にすることができる。</a:t>
+              <a:t>通常のフィールドに出現</a:t>
+            </a:r>
+            <a:r>
+              <a:rPr kumimoji="1" lang="ja-JP" altLang="en-US" dirty="0" smtClean="0"/>
+              <a:t>する雑魚キャラクター</a:t>
+            </a:r>
+            <a:r>
+              <a:rPr kumimoji="1" lang="ja-JP" altLang="en-US" dirty="0"/>
+              <a:t>は弱体化弾を当てると一発で弱体化状態にすることができる。</a:t>
             </a:r>
             <a:endParaRPr kumimoji="1" lang="en-US" altLang="ja-JP" dirty="0"/>
           </a:p>
@@ -8282,15 +8311,23 @@
           <a:p>
             <a:r>
               <a:rPr kumimoji="1" lang="ja-JP" altLang="en-US" dirty="0"/>
-              <a:t>威力は体力ゲージがあるキャラクターへのダメージであり憑依前の</a:t>
-            </a:r>
-            <a:r>
-              <a:rPr kumimoji="1" lang="ja-JP" altLang="en-US" dirty="0" err="1"/>
-              <a:t>じ</a:t>
+              <a:t>威力は体力ゲージがあるキャラクターへのダメージであり憑依前</a:t>
+            </a:r>
+            <a:r>
+              <a:rPr kumimoji="1" lang="ja-JP" altLang="en-US" dirty="0" smtClean="0"/>
+              <a:t>の</a:t>
+            </a:r>
+            <a:r>
+              <a:rPr lang="ja-JP" altLang="en-US" dirty="0"/>
+              <a:t>自</a:t>
+            </a:r>
+            <a:r>
+              <a:rPr kumimoji="1" lang="ja-JP" altLang="en-US" dirty="0" smtClean="0"/>
+              <a:t>プレイヤー</a:t>
             </a:r>
             <a:r>
               <a:rPr kumimoji="1" lang="ja-JP" altLang="en-US" dirty="0"/>
-              <a:t>プレイヤーはたとえ極低の球だろうと当たると即死である</a:t>
+              <a:t>はたとえ極低の球だろうと当たると即死である</a:t>
             </a:r>
             <a:endParaRPr kumimoji="1" lang="en-US" altLang="ja-JP" dirty="0"/>
           </a:p>
